--- a/fig/figS7.pptx
+++ b/fig/figS7.pptx
@@ -254,7 +254,7 @@
           <a:p>
             <a:fld id="{B62D74DB-1ABB-EB42-8956-4C2DCB33C942}" type="datetimeFigureOut">
               <a:rPr lang="en-DE" smtClean="0"/>
-              <a:t>14.05.22</a:t>
+              <a:t>17.05.22</a:t>
             </a:fld>
             <a:endParaRPr lang="en-DE"/>
           </a:p>
@@ -424,7 +424,7 @@
           <a:p>
             <a:fld id="{B62D74DB-1ABB-EB42-8956-4C2DCB33C942}" type="datetimeFigureOut">
               <a:rPr lang="en-DE" smtClean="0"/>
-              <a:t>14.05.22</a:t>
+              <a:t>17.05.22</a:t>
             </a:fld>
             <a:endParaRPr lang="en-DE"/>
           </a:p>
@@ -604,7 +604,7 @@
           <a:p>
             <a:fld id="{B62D74DB-1ABB-EB42-8956-4C2DCB33C942}" type="datetimeFigureOut">
               <a:rPr lang="en-DE" smtClean="0"/>
-              <a:t>14.05.22</a:t>
+              <a:t>17.05.22</a:t>
             </a:fld>
             <a:endParaRPr lang="en-DE"/>
           </a:p>
@@ -774,7 +774,7 @@
           <a:p>
             <a:fld id="{B62D74DB-1ABB-EB42-8956-4C2DCB33C942}" type="datetimeFigureOut">
               <a:rPr lang="en-DE" smtClean="0"/>
-              <a:t>14.05.22</a:t>
+              <a:t>17.05.22</a:t>
             </a:fld>
             <a:endParaRPr lang="en-DE"/>
           </a:p>
@@ -1018,7 +1018,7 @@
           <a:p>
             <a:fld id="{B62D74DB-1ABB-EB42-8956-4C2DCB33C942}" type="datetimeFigureOut">
               <a:rPr lang="en-DE" smtClean="0"/>
-              <a:t>14.05.22</a:t>
+              <a:t>17.05.22</a:t>
             </a:fld>
             <a:endParaRPr lang="en-DE"/>
           </a:p>
@@ -1250,7 +1250,7 @@
           <a:p>
             <a:fld id="{B62D74DB-1ABB-EB42-8956-4C2DCB33C942}" type="datetimeFigureOut">
               <a:rPr lang="en-DE" smtClean="0"/>
-              <a:t>14.05.22</a:t>
+              <a:t>17.05.22</a:t>
             </a:fld>
             <a:endParaRPr lang="en-DE"/>
           </a:p>
@@ -1617,7 +1617,7 @@
           <a:p>
             <a:fld id="{B62D74DB-1ABB-EB42-8956-4C2DCB33C942}" type="datetimeFigureOut">
               <a:rPr lang="en-DE" smtClean="0"/>
-              <a:t>14.05.22</a:t>
+              <a:t>17.05.22</a:t>
             </a:fld>
             <a:endParaRPr lang="en-DE"/>
           </a:p>
@@ -1735,7 +1735,7 @@
           <a:p>
             <a:fld id="{B62D74DB-1ABB-EB42-8956-4C2DCB33C942}" type="datetimeFigureOut">
               <a:rPr lang="en-DE" smtClean="0"/>
-              <a:t>14.05.22</a:t>
+              <a:t>17.05.22</a:t>
             </a:fld>
             <a:endParaRPr lang="en-DE"/>
           </a:p>
@@ -1830,7 +1830,7 @@
           <a:p>
             <a:fld id="{B62D74DB-1ABB-EB42-8956-4C2DCB33C942}" type="datetimeFigureOut">
               <a:rPr lang="en-DE" smtClean="0"/>
-              <a:t>14.05.22</a:t>
+              <a:t>17.05.22</a:t>
             </a:fld>
             <a:endParaRPr lang="en-DE"/>
           </a:p>
@@ -2107,7 +2107,7 @@
           <a:p>
             <a:fld id="{B62D74DB-1ABB-EB42-8956-4C2DCB33C942}" type="datetimeFigureOut">
               <a:rPr lang="en-DE" smtClean="0"/>
-              <a:t>14.05.22</a:t>
+              <a:t>17.05.22</a:t>
             </a:fld>
             <a:endParaRPr lang="en-DE"/>
           </a:p>
@@ -2364,7 +2364,7 @@
           <a:p>
             <a:fld id="{B62D74DB-1ABB-EB42-8956-4C2DCB33C942}" type="datetimeFigureOut">
               <a:rPr lang="en-DE" smtClean="0"/>
-              <a:t>14.05.22</a:t>
+              <a:t>17.05.22</a:t>
             </a:fld>
             <a:endParaRPr lang="en-DE"/>
           </a:p>
@@ -2577,7 +2577,7 @@
           <a:p>
             <a:fld id="{B62D74DB-1ABB-EB42-8956-4C2DCB33C942}" type="datetimeFigureOut">
               <a:rPr lang="en-DE" smtClean="0"/>
-              <a:t>14.05.22</a:t>
+              <a:t>17.05.22</a:t>
             </a:fld>
             <a:endParaRPr lang="en-DE"/>
           </a:p>
@@ -3033,8 +3033,8 @@
         </p:blipFill>
         <p:spPr>
           <a:xfrm>
-            <a:off x="7533671" y="94676"/>
-            <a:ext cx="2060166" cy="6586864"/>
+            <a:off x="7538396" y="94676"/>
+            <a:ext cx="2050716" cy="6586864"/>
           </a:xfrm>
           <a:prstGeom prst="rect">
             <a:avLst/>

--- a/fig/figS7.pptx
+++ b/fig/figS7.pptx
@@ -254,7 +254,7 @@
           <a:p>
             <a:fld id="{B62D74DB-1ABB-EB42-8956-4C2DCB33C942}" type="datetimeFigureOut">
               <a:rPr lang="en-DE" smtClean="0"/>
-              <a:t>17.05.22</a:t>
+              <a:t>13.07.22</a:t>
             </a:fld>
             <a:endParaRPr lang="en-DE"/>
           </a:p>
@@ -424,7 +424,7 @@
           <a:p>
             <a:fld id="{B62D74DB-1ABB-EB42-8956-4C2DCB33C942}" type="datetimeFigureOut">
               <a:rPr lang="en-DE" smtClean="0"/>
-              <a:t>17.05.22</a:t>
+              <a:t>13.07.22</a:t>
             </a:fld>
             <a:endParaRPr lang="en-DE"/>
           </a:p>
@@ -604,7 +604,7 @@
           <a:p>
             <a:fld id="{B62D74DB-1ABB-EB42-8956-4C2DCB33C942}" type="datetimeFigureOut">
               <a:rPr lang="en-DE" smtClean="0"/>
-              <a:t>17.05.22</a:t>
+              <a:t>13.07.22</a:t>
             </a:fld>
             <a:endParaRPr lang="en-DE"/>
           </a:p>
@@ -774,7 +774,7 @@
           <a:p>
             <a:fld id="{B62D74DB-1ABB-EB42-8956-4C2DCB33C942}" type="datetimeFigureOut">
               <a:rPr lang="en-DE" smtClean="0"/>
-              <a:t>17.05.22</a:t>
+              <a:t>13.07.22</a:t>
             </a:fld>
             <a:endParaRPr lang="en-DE"/>
           </a:p>
@@ -1018,7 +1018,7 @@
           <a:p>
             <a:fld id="{B62D74DB-1ABB-EB42-8956-4C2DCB33C942}" type="datetimeFigureOut">
               <a:rPr lang="en-DE" smtClean="0"/>
-              <a:t>17.05.22</a:t>
+              <a:t>13.07.22</a:t>
             </a:fld>
             <a:endParaRPr lang="en-DE"/>
           </a:p>
@@ -1250,7 +1250,7 @@
           <a:p>
             <a:fld id="{B62D74DB-1ABB-EB42-8956-4C2DCB33C942}" type="datetimeFigureOut">
               <a:rPr lang="en-DE" smtClean="0"/>
-              <a:t>17.05.22</a:t>
+              <a:t>13.07.22</a:t>
             </a:fld>
             <a:endParaRPr lang="en-DE"/>
           </a:p>
@@ -1617,7 +1617,7 @@
           <a:p>
             <a:fld id="{B62D74DB-1ABB-EB42-8956-4C2DCB33C942}" type="datetimeFigureOut">
               <a:rPr lang="en-DE" smtClean="0"/>
-              <a:t>17.05.22</a:t>
+              <a:t>13.07.22</a:t>
             </a:fld>
             <a:endParaRPr lang="en-DE"/>
           </a:p>
@@ -1735,7 +1735,7 @@
           <a:p>
             <a:fld id="{B62D74DB-1ABB-EB42-8956-4C2DCB33C942}" type="datetimeFigureOut">
               <a:rPr lang="en-DE" smtClean="0"/>
-              <a:t>17.05.22</a:t>
+              <a:t>13.07.22</a:t>
             </a:fld>
             <a:endParaRPr lang="en-DE"/>
           </a:p>
@@ -1830,7 +1830,7 @@
           <a:p>
             <a:fld id="{B62D74DB-1ABB-EB42-8956-4C2DCB33C942}" type="datetimeFigureOut">
               <a:rPr lang="en-DE" smtClean="0"/>
-              <a:t>17.05.22</a:t>
+              <a:t>13.07.22</a:t>
             </a:fld>
             <a:endParaRPr lang="en-DE"/>
           </a:p>
@@ -2107,7 +2107,7 @@
           <a:p>
             <a:fld id="{B62D74DB-1ABB-EB42-8956-4C2DCB33C942}" type="datetimeFigureOut">
               <a:rPr lang="en-DE" smtClean="0"/>
-              <a:t>17.05.22</a:t>
+              <a:t>13.07.22</a:t>
             </a:fld>
             <a:endParaRPr lang="en-DE"/>
           </a:p>
@@ -2364,7 +2364,7 @@
           <a:p>
             <a:fld id="{B62D74DB-1ABB-EB42-8956-4C2DCB33C942}" type="datetimeFigureOut">
               <a:rPr lang="en-DE" smtClean="0"/>
-              <a:t>17.05.22</a:t>
+              <a:t>13.07.22</a:t>
             </a:fld>
             <a:endParaRPr lang="en-DE"/>
           </a:p>
@@ -2577,7 +2577,7 @@
           <a:p>
             <a:fld id="{B62D74DB-1ABB-EB42-8956-4C2DCB33C942}" type="datetimeFigureOut">
               <a:rPr lang="en-DE" smtClean="0"/>
-              <a:t>17.05.22</a:t>
+              <a:t>13.07.22</a:t>
             </a:fld>
             <a:endParaRPr lang="en-DE"/>
           </a:p>
@@ -3033,8 +3033,8 @@
         </p:blipFill>
         <p:spPr>
           <a:xfrm>
-            <a:off x="7538396" y="94676"/>
-            <a:ext cx="2050716" cy="6586864"/>
+            <a:off x="7538396" y="94677"/>
+            <a:ext cx="2050716" cy="6586861"/>
           </a:xfrm>
           <a:prstGeom prst="rect">
             <a:avLst/>
